--- a/Relativity.pptx
+++ b/Relativity.pptx
@@ -198,7 +198,7 @@
           <a:p>
             <a:fld id="{88E52045-756B-384E-A6E6-7F3ED1EF79B4}" type="datetimeFigureOut">
               <a:rPr lang="en-US" smtClean="0"/>
-              <a:t>6/15/21</a:t>
+              <a:t>6/19/21</a:t>
             </a:fld>
             <a:endParaRPr lang="en-US"/>
           </a:p>
@@ -594,7 +594,7 @@
           <a:p>
             <a:fld id="{B99DC7AF-117D-0D44-9887-15AB809462D7}" type="datetimeFigureOut">
               <a:rPr lang="en-US" smtClean="0"/>
-              <a:t>6/15/21</a:t>
+              <a:t>6/19/21</a:t>
             </a:fld>
             <a:endParaRPr lang="en-US"/>
           </a:p>
@@ -762,7 +762,7 @@
           <a:p>
             <a:fld id="{B99DC7AF-117D-0D44-9887-15AB809462D7}" type="datetimeFigureOut">
               <a:rPr lang="en-US" smtClean="0"/>
-              <a:t>6/15/21</a:t>
+              <a:t>6/19/21</a:t>
             </a:fld>
             <a:endParaRPr lang="en-US"/>
           </a:p>
@@ -940,7 +940,7 @@
           <a:p>
             <a:fld id="{B99DC7AF-117D-0D44-9887-15AB809462D7}" type="datetimeFigureOut">
               <a:rPr lang="en-US" smtClean="0"/>
-              <a:t>6/15/21</a:t>
+              <a:t>6/19/21</a:t>
             </a:fld>
             <a:endParaRPr lang="en-US"/>
           </a:p>
@@ -1108,7 +1108,7 @@
           <a:p>
             <a:fld id="{B99DC7AF-117D-0D44-9887-15AB809462D7}" type="datetimeFigureOut">
               <a:rPr lang="en-US" smtClean="0"/>
-              <a:t>6/15/21</a:t>
+              <a:t>6/19/21</a:t>
             </a:fld>
             <a:endParaRPr lang="en-US"/>
           </a:p>
@@ -1353,7 +1353,7 @@
           <a:p>
             <a:fld id="{B99DC7AF-117D-0D44-9887-15AB809462D7}" type="datetimeFigureOut">
               <a:rPr lang="en-US" smtClean="0"/>
-              <a:t>6/15/21</a:t>
+              <a:t>6/19/21</a:t>
             </a:fld>
             <a:endParaRPr lang="en-US"/>
           </a:p>
@@ -1582,7 +1582,7 @@
           <a:p>
             <a:fld id="{B99DC7AF-117D-0D44-9887-15AB809462D7}" type="datetimeFigureOut">
               <a:rPr lang="en-US" smtClean="0"/>
-              <a:t>6/15/21</a:t>
+              <a:t>6/19/21</a:t>
             </a:fld>
             <a:endParaRPr lang="en-US"/>
           </a:p>
@@ -1946,7 +1946,7 @@
           <a:p>
             <a:fld id="{B99DC7AF-117D-0D44-9887-15AB809462D7}" type="datetimeFigureOut">
               <a:rPr lang="en-US" smtClean="0"/>
-              <a:t>6/15/21</a:t>
+              <a:t>6/19/21</a:t>
             </a:fld>
             <a:endParaRPr lang="en-US"/>
           </a:p>
@@ -2063,7 +2063,7 @@
           <a:p>
             <a:fld id="{B99DC7AF-117D-0D44-9887-15AB809462D7}" type="datetimeFigureOut">
               <a:rPr lang="en-US" smtClean="0"/>
-              <a:t>6/15/21</a:t>
+              <a:t>6/19/21</a:t>
             </a:fld>
             <a:endParaRPr lang="en-US"/>
           </a:p>
@@ -2158,7 +2158,7 @@
           <a:p>
             <a:fld id="{B99DC7AF-117D-0D44-9887-15AB809462D7}" type="datetimeFigureOut">
               <a:rPr lang="en-US" smtClean="0"/>
-              <a:t>6/15/21</a:t>
+              <a:t>6/19/21</a:t>
             </a:fld>
             <a:endParaRPr lang="en-US"/>
           </a:p>
@@ -2433,7 +2433,7 @@
           <a:p>
             <a:fld id="{B99DC7AF-117D-0D44-9887-15AB809462D7}" type="datetimeFigureOut">
               <a:rPr lang="en-US" smtClean="0"/>
-              <a:t>6/15/21</a:t>
+              <a:t>6/19/21</a:t>
             </a:fld>
             <a:endParaRPr lang="en-US"/>
           </a:p>
@@ -2685,7 +2685,7 @@
           <a:p>
             <a:fld id="{B99DC7AF-117D-0D44-9887-15AB809462D7}" type="datetimeFigureOut">
               <a:rPr lang="en-US" smtClean="0"/>
-              <a:t>6/15/21</a:t>
+              <a:t>6/19/21</a:t>
             </a:fld>
             <a:endParaRPr lang="en-US"/>
           </a:p>
@@ -2896,7 +2896,7 @@
           <a:p>
             <a:fld id="{B99DC7AF-117D-0D44-9887-15AB809462D7}" type="datetimeFigureOut">
               <a:rPr lang="en-US" smtClean="0"/>
-              <a:t>6/15/21</a:t>
+              <a:t>6/19/21</a:t>
             </a:fld>
             <a:endParaRPr lang="en-US"/>
           </a:p>
@@ -3353,8 +3353,8 @@
         </p:nvSpPr>
         <p:spPr>
           <a:xfrm>
-            <a:off x="34050" y="619899"/>
-            <a:ext cx="5788681" cy="2246769"/>
+            <a:off x="34048" y="533740"/>
+            <a:ext cx="6109101" cy="2677656"/>
           </a:xfrm>
           <a:prstGeom prst="rect">
             <a:avLst/>
@@ -3368,11 +3368,72 @@
           <a:lstStyle/>
           <a:p>
             <a:r>
+              <a:rPr lang="en-US" sz="1400" b="1" dirty="0">
+                <a:solidFill>
+                  <a:srgbClr val="FF0000"/>
+                </a:solidFill>
+                <a:latin typeface="Arial" panose="020B0604020202020204" pitchFamily="34" charset="0"/>
+                <a:cs typeface="Arial" panose="020B0604020202020204" pitchFamily="34" charset="0"/>
+              </a:rPr>
+              <a:t>Einstein</a:t>
+            </a:r>
+            <a:r>
               <a:rPr lang="en-US" sz="1400" dirty="0">
                 <a:latin typeface="Arial" panose="020B0604020202020204" pitchFamily="34" charset="0"/>
                 <a:cs typeface="Arial" panose="020B0604020202020204" pitchFamily="34" charset="0"/>
               </a:rPr>
-              <a:t>Some history:</a:t>
+              <a:t> is famous for his </a:t>
+            </a:r>
+            <a:r>
+              <a:rPr lang="en-US" sz="1400" b="1" dirty="0">
+                <a:solidFill>
+                  <a:srgbClr val="00B050"/>
+                </a:solidFill>
+                <a:latin typeface="Arial" panose="020B0604020202020204" pitchFamily="34" charset="0"/>
+                <a:cs typeface="Arial" panose="020B0604020202020204" pitchFamily="34" charset="0"/>
+              </a:rPr>
+              <a:t>General Relativity theory</a:t>
+            </a:r>
+            <a:r>
+              <a:rPr lang="en-US" sz="1400" dirty="0">
+                <a:latin typeface="Arial" panose="020B0604020202020204" pitchFamily="34" charset="0"/>
+                <a:cs typeface="Arial" panose="020B0604020202020204" pitchFamily="34" charset="0"/>
+              </a:rPr>
+              <a:t>, and he has received the </a:t>
+            </a:r>
+            <a:r>
+              <a:rPr lang="en-US" sz="1400" b="1" dirty="0">
+                <a:solidFill>
+                  <a:srgbClr val="00B050"/>
+                </a:solidFill>
+                <a:latin typeface="Arial" panose="020B0604020202020204" pitchFamily="34" charset="0"/>
+                <a:cs typeface="Arial" panose="020B0604020202020204" pitchFamily="34" charset="0"/>
+              </a:rPr>
+              <a:t>Nobel prize</a:t>
+            </a:r>
+            <a:r>
+              <a:rPr lang="en-US" sz="1400" dirty="0">
+                <a:latin typeface="Arial" panose="020B0604020202020204" pitchFamily="34" charset="0"/>
+                <a:cs typeface="Arial" panose="020B0604020202020204" pitchFamily="34" charset="0"/>
+              </a:rPr>
+              <a:t> for explaining the </a:t>
+            </a:r>
+            <a:r>
+              <a:rPr lang="en-US" sz="1400" b="1" dirty="0">
+                <a:solidFill>
+                  <a:srgbClr val="00B050"/>
+                </a:solidFill>
+                <a:latin typeface="Arial" panose="020B0604020202020204" pitchFamily="34" charset="0"/>
+                <a:cs typeface="Arial" panose="020B0604020202020204" pitchFamily="34" charset="0"/>
+              </a:rPr>
+              <a:t>photoelectric effect </a:t>
+            </a:r>
+            <a:r>
+              <a:rPr lang="en-US" sz="1400" dirty="0">
+                <a:latin typeface="Arial" panose="020B0604020202020204" pitchFamily="34" charset="0"/>
+                <a:cs typeface="Arial" panose="020B0604020202020204" pitchFamily="34" charset="0"/>
+              </a:rPr>
+              <a:t>(emission of electrons cause by light) - an experimental proof of quantum nature of light.</a:t>
             </a:r>
           </a:p>
           <a:p>
@@ -3387,7 +3448,41 @@
                 <a:latin typeface="Arial" panose="020B0604020202020204" pitchFamily="34" charset="0"/>
                 <a:cs typeface="Arial" panose="020B0604020202020204" pitchFamily="34" charset="0"/>
               </a:rPr>
-              <a:t>Einstein was NOT the author of Special Relativity Theory.</a:t>
+              <a:t>But (!!) </a:t>
+            </a:r>
+            <a:r>
+              <a:rPr lang="en-US" sz="1400" b="1" dirty="0">
+                <a:solidFill>
+                  <a:srgbClr val="FF0000"/>
+                </a:solidFill>
+                <a:latin typeface="Arial" panose="020B0604020202020204" pitchFamily="34" charset="0"/>
+                <a:cs typeface="Arial" panose="020B0604020202020204" pitchFamily="34" charset="0"/>
+              </a:rPr>
+              <a:t>Einstein</a:t>
+            </a:r>
+            <a:r>
+              <a:rPr lang="en-US" sz="1400" dirty="0">
+                <a:latin typeface="Arial" panose="020B0604020202020204" pitchFamily="34" charset="0"/>
+                <a:cs typeface="Arial" panose="020B0604020202020204" pitchFamily="34" charset="0"/>
+              </a:rPr>
+              <a:t> was NOT the author of </a:t>
+            </a:r>
+            <a:r>
+              <a:rPr lang="en-US" sz="1400" b="1" dirty="0">
+                <a:solidFill>
+                  <a:srgbClr val="00B050"/>
+                </a:solidFill>
+                <a:latin typeface="Arial" panose="020B0604020202020204" pitchFamily="34" charset="0"/>
+                <a:cs typeface="Arial" panose="020B0604020202020204" pitchFamily="34" charset="0"/>
+              </a:rPr>
+              <a:t>Special Relativity</a:t>
+            </a:r>
+            <a:r>
+              <a:rPr lang="en-US" sz="1400" dirty="0">
+                <a:latin typeface="Arial" panose="020B0604020202020204" pitchFamily="34" charset="0"/>
+                <a:cs typeface="Arial" panose="020B0604020202020204" pitchFamily="34" charset="0"/>
+              </a:rPr>
+              <a:t> Theory.</a:t>
             </a:r>
           </a:p>
           <a:p>
@@ -3493,7 +3588,7 @@
                 <a:latin typeface="Arial" panose="020B0604020202020204" pitchFamily="34" charset="0"/>
                 <a:cs typeface="Arial" panose="020B0604020202020204" pitchFamily="34" charset="0"/>
               </a:rPr>
-              <a:t>and then published the summarized description (1905).</a:t>
+              <a:t>and then published the summary in scientific journal (1905).</a:t>
             </a:r>
           </a:p>
           <a:p>
@@ -3535,22 +3630,168 @@
                 <a:latin typeface="Arial" panose="020B0604020202020204" pitchFamily="34" charset="0"/>
                 <a:cs typeface="Arial" panose="020B0604020202020204" pitchFamily="34" charset="0"/>
               </a:rPr>
-              <a:t> was taken from Poincare.</a:t>
+              <a:t> was taken from Poincare (1900).</a:t>
+            </a:r>
+          </a:p>
+        </p:txBody>
+      </p:sp>
+      <p:sp>
+        <p:nvSpPr>
+          <p:cNvPr id="10" name="TextBox 9">
+            <a:extLst>
+              <a:ext uri="{FF2B5EF4-FFF2-40B4-BE49-F238E27FC236}">
+                <a16:creationId xmlns:a16="http://schemas.microsoft.com/office/drawing/2014/main" id="{01D0C38F-08C5-F14A-93DE-98C260017B85}"/>
+              </a:ext>
+            </a:extLst>
+          </p:cNvPr>
+          <p:cNvSpPr txBox="1"/>
+          <p:nvPr/>
+        </p:nvSpPr>
+        <p:spPr>
+          <a:xfrm>
+            <a:off x="6511265" y="2369211"/>
+            <a:ext cx="1684154" cy="584775"/>
+          </a:xfrm>
+          <a:prstGeom prst="rect">
+            <a:avLst/>
+          </a:prstGeom>
+          <a:noFill/>
+        </p:spPr>
+        <p:txBody>
+          <a:bodyPr wrap="square" rtlCol="0">
+            <a:spAutoFit/>
+          </a:bodyPr>
+          <a:lstStyle/>
+          <a:p>
+            <a:pPr algn="ctr"/>
+            <a:r>
+              <a:rPr lang="en-US" sz="1600" dirty="0"/>
+              <a:t>Henri </a:t>
+            </a:r>
+            <a:r>
+              <a:rPr lang="en-US" sz="1600" dirty="0" err="1"/>
+              <a:t>Poincaré</a:t>
+            </a:r>
+            <a:endParaRPr lang="en-US" sz="1600" dirty="0"/>
+          </a:p>
+          <a:p>
+            <a:pPr algn="ctr"/>
+            <a:r>
+              <a:rPr lang="en-US" sz="1600" dirty="0"/>
+              <a:t>1854-1912</a:t>
+            </a:r>
+          </a:p>
+        </p:txBody>
+      </p:sp>
+      <p:sp>
+        <p:nvSpPr>
+          <p:cNvPr id="11" name="TextBox 10">
+            <a:extLst>
+              <a:ext uri="{FF2B5EF4-FFF2-40B4-BE49-F238E27FC236}">
+                <a16:creationId xmlns:a16="http://schemas.microsoft.com/office/drawing/2014/main" id="{63E24507-6E5D-F34E-8D32-FCE8E05822F1}"/>
+              </a:ext>
+            </a:extLst>
+          </p:cNvPr>
+          <p:cNvSpPr txBox="1"/>
+          <p:nvPr/>
+        </p:nvSpPr>
+        <p:spPr>
+          <a:xfrm>
+            <a:off x="34050" y="3316034"/>
+            <a:ext cx="5788681" cy="1169551"/>
+          </a:xfrm>
+          <a:prstGeom prst="rect">
+            <a:avLst/>
+          </a:prstGeom>
+          <a:noFill/>
+        </p:spPr>
+        <p:txBody>
+          <a:bodyPr wrap="square" rtlCol="0">
+            <a:spAutoFit/>
+          </a:bodyPr>
+          <a:lstStyle/>
+          <a:p>
+            <a:r>
+              <a:rPr lang="en-US" sz="1400" dirty="0">
+                <a:latin typeface="Arial" panose="020B0604020202020204" pitchFamily="34" charset="0"/>
+                <a:cs typeface="Arial" panose="020B0604020202020204" pitchFamily="34" charset="0"/>
+              </a:rPr>
+              <a:t>Two main ideas of </a:t>
+            </a:r>
+            <a:r>
+              <a:rPr lang="en-US" sz="1400" b="1" dirty="0">
+                <a:solidFill>
+                  <a:srgbClr val="00B050"/>
+                </a:solidFill>
+                <a:latin typeface="Arial" panose="020B0604020202020204" pitchFamily="34" charset="0"/>
+                <a:cs typeface="Arial" panose="020B0604020202020204" pitchFamily="34" charset="0"/>
+              </a:rPr>
+              <a:t>Special Relativity</a:t>
+            </a:r>
+            <a:r>
+              <a:rPr lang="en-US" sz="1400" dirty="0">
+                <a:latin typeface="Arial" panose="020B0604020202020204" pitchFamily="34" charset="0"/>
+                <a:cs typeface="Arial" panose="020B0604020202020204" pitchFamily="34" charset="0"/>
+              </a:rPr>
+              <a:t> theory:</a:t>
+            </a:r>
+          </a:p>
+          <a:p>
+            <a:pPr marL="342900" indent="-342900">
+              <a:buFont typeface="+mj-lt"/>
+              <a:buAutoNum type="arabicPeriod"/>
+            </a:pPr>
+            <a:r>
+              <a:rPr lang="en-US" sz="1400" dirty="0">
+                <a:latin typeface="Arial" panose="020B0604020202020204" pitchFamily="34" charset="0"/>
+                <a:cs typeface="Arial" panose="020B0604020202020204" pitchFamily="34" charset="0"/>
+              </a:rPr>
+              <a:t>There is no absolute frame of reference. The laws of physics are the same in all inertial frames of reference.</a:t>
+            </a:r>
+          </a:p>
+          <a:p>
+            <a:pPr marL="342900" indent="-342900">
+              <a:buFont typeface="+mj-lt"/>
+              <a:buAutoNum type="arabicPeriod"/>
+            </a:pPr>
+            <a:r>
+              <a:rPr lang="en-US" sz="1400" dirty="0">
+                <a:latin typeface="Arial" panose="020B0604020202020204" pitchFamily="34" charset="0"/>
+                <a:cs typeface="Arial" panose="020B0604020202020204" pitchFamily="34" charset="0"/>
+              </a:rPr>
+              <a:t>The speed of light </a:t>
+            </a:r>
+            <a:r>
+              <a:rPr lang="en-US" sz="1400" b="1" dirty="0">
+                <a:solidFill>
+                  <a:srgbClr val="00B050"/>
+                </a:solidFill>
+                <a:latin typeface="Arial" panose="020B0604020202020204" pitchFamily="34" charset="0"/>
+                <a:cs typeface="Arial" panose="020B0604020202020204" pitchFamily="34" charset="0"/>
+              </a:rPr>
+              <a:t>c</a:t>
+            </a:r>
+            <a:r>
+              <a:rPr lang="en-US" sz="1400" dirty="0">
+                <a:latin typeface="Arial" panose="020B0604020202020204" pitchFamily="34" charset="0"/>
+                <a:cs typeface="Arial" panose="020B0604020202020204" pitchFamily="34" charset="0"/>
+              </a:rPr>
+              <a:t> is a constant, independent of the relative motion of the source.</a:t>
             </a:r>
           </a:p>
         </p:txBody>
       </p:sp>
       <p:pic>
         <p:nvPicPr>
-          <p:cNvPr id="9" name="Picture 2">
+          <p:cNvPr id="17" name="Picture 16">
             <a:extLst>
               <a:ext uri="{FF2B5EF4-FFF2-40B4-BE49-F238E27FC236}">
-                <a16:creationId xmlns:a16="http://schemas.microsoft.com/office/drawing/2014/main" id="{6B06EFAC-AD21-FC41-AEC1-11FC8171B60D}"/>
+                <a16:creationId xmlns:a16="http://schemas.microsoft.com/office/drawing/2014/main" id="{CD7B77F2-AB12-A046-9BEC-6433E94AAF9D}"/>
               </a:ext>
             </a:extLst>
           </p:cNvPr>
           <p:cNvPicPr>
-            <a:picLocks noChangeAspect="1" noChangeArrowheads="1"/>
+            <a:picLocks noChangeAspect="1"/>
           </p:cNvPicPr>
           <p:nvPr/>
         </p:nvPicPr>
@@ -3562,37 +3803,26 @@
               </a:ext>
             </a:extLst>
           </a:blip>
-          <a:srcRect/>
           <a:stretch>
             <a:fillRect/>
           </a:stretch>
         </p:blipFill>
-        <p:spPr bwMode="auto">
-          <a:xfrm>
-            <a:off x="5554974" y="29641"/>
-            <a:ext cx="1977568" cy="2534883"/>
+        <p:spPr>
+          <a:xfrm>
+            <a:off x="8407348" y="90688"/>
+            <a:ext cx="1775120" cy="2275052"/>
           </a:xfrm>
           <a:prstGeom prst="rect">
             <a:avLst/>
           </a:prstGeom>
-          <a:noFill/>
-          <a:extLst>
-            <a:ext uri="{909E8E84-426E-40DD-AFC4-6F175D3DCCD1}">
-              <a14:hiddenFill xmlns:a14="http://schemas.microsoft.com/office/drawing/2010/main">
-                <a:solidFill>
-                  <a:srgbClr val="FFFFFF"/>
-                </a:solidFill>
-              </a14:hiddenFill>
-            </a:ext>
-          </a:extLst>
         </p:spPr>
       </p:pic>
       <p:sp>
         <p:nvSpPr>
-          <p:cNvPr id="10" name="TextBox 9">
+          <p:cNvPr id="21" name="TextBox 20">
             <a:extLst>
               <a:ext uri="{FF2B5EF4-FFF2-40B4-BE49-F238E27FC236}">
-                <a16:creationId xmlns:a16="http://schemas.microsoft.com/office/drawing/2014/main" id="{01D0C38F-08C5-F14A-93DE-98C260017B85}"/>
+                <a16:creationId xmlns:a16="http://schemas.microsoft.com/office/drawing/2014/main" id="{3F421801-8017-044A-A360-5B0DBC26EFD8}"/>
               </a:ext>
             </a:extLst>
           </p:cNvPr>
@@ -3601,8 +3831,8 @@
         </p:nvSpPr>
         <p:spPr>
           <a:xfrm>
-            <a:off x="5527194" y="2508451"/>
-            <a:ext cx="1684154" cy="584775"/>
+            <a:off x="8322167" y="2380399"/>
+            <a:ext cx="1945482" cy="584775"/>
           </a:xfrm>
           <a:prstGeom prst="rect">
             <a:avLst/>
@@ -3618,11 +3848,11 @@
             <a:pPr algn="ctr"/>
             <a:r>
               <a:rPr lang="en-US" sz="1600" dirty="0"/>
-              <a:t>Henri </a:t>
+              <a:t>Hermann </a:t>
             </a:r>
             <a:r>
               <a:rPr lang="en-US" sz="1600" dirty="0" err="1"/>
-              <a:t>Poincaré</a:t>
+              <a:t>Minkowski</a:t>
             </a:r>
             <a:endParaRPr lang="en-US" sz="1600" dirty="0"/>
           </a:p>
@@ -3630,98 +3860,17 @@
             <a:pPr algn="ctr"/>
             <a:r>
               <a:rPr lang="en-US" sz="1600" dirty="0"/>
-              <a:t>1854-1912</a:t>
-            </a:r>
-          </a:p>
-        </p:txBody>
-      </p:sp>
-      <p:sp>
-        <p:nvSpPr>
-          <p:cNvPr id="11" name="TextBox 10">
+              <a:t>1864-1909</a:t>
+            </a:r>
+          </a:p>
+        </p:txBody>
+      </p:sp>
+      <p:pic>
+        <p:nvPicPr>
+          <p:cNvPr id="18" name="Picture 17">
             <a:extLst>
               <a:ext uri="{FF2B5EF4-FFF2-40B4-BE49-F238E27FC236}">
-                <a16:creationId xmlns:a16="http://schemas.microsoft.com/office/drawing/2014/main" id="{63E24507-6E5D-F34E-8D32-FCE8E05822F1}"/>
-              </a:ext>
-            </a:extLst>
-          </p:cNvPr>
-          <p:cNvSpPr txBox="1"/>
-          <p:nvPr/>
-        </p:nvSpPr>
-        <p:spPr>
-          <a:xfrm>
-            <a:off x="34050" y="3105834"/>
-            <a:ext cx="5788681" cy="1169551"/>
-          </a:xfrm>
-          <a:prstGeom prst="rect">
-            <a:avLst/>
-          </a:prstGeom>
-          <a:noFill/>
-        </p:spPr>
-        <p:txBody>
-          <a:bodyPr wrap="square" rtlCol="0">
-            <a:spAutoFit/>
-          </a:bodyPr>
-          <a:lstStyle/>
-          <a:p>
-            <a:r>
-              <a:rPr lang="en-US" sz="1400" dirty="0">
-                <a:latin typeface="Arial" panose="020B0604020202020204" pitchFamily="34" charset="0"/>
-                <a:cs typeface="Arial" panose="020B0604020202020204" pitchFamily="34" charset="0"/>
-              </a:rPr>
-              <a:t>Two main ideas:</a:t>
-            </a:r>
-          </a:p>
-          <a:p>
-            <a:pPr marL="342900" indent="-342900">
-              <a:buFont typeface="+mj-lt"/>
-              <a:buAutoNum type="arabicPeriod"/>
-            </a:pPr>
-            <a:r>
-              <a:rPr lang="en-US" sz="1400" dirty="0">
-                <a:latin typeface="Arial" panose="020B0604020202020204" pitchFamily="34" charset="0"/>
-                <a:cs typeface="Arial" panose="020B0604020202020204" pitchFamily="34" charset="0"/>
-              </a:rPr>
-              <a:t>There is no absolute frame of reference. The laws of physics are the same in all inertial frames of reference.</a:t>
-            </a:r>
-          </a:p>
-          <a:p>
-            <a:pPr marL="342900" indent="-342900">
-              <a:buFont typeface="+mj-lt"/>
-              <a:buAutoNum type="arabicPeriod"/>
-            </a:pPr>
-            <a:r>
-              <a:rPr lang="en-US" sz="1400" dirty="0">
-                <a:latin typeface="Arial" panose="020B0604020202020204" pitchFamily="34" charset="0"/>
-                <a:cs typeface="Arial" panose="020B0604020202020204" pitchFamily="34" charset="0"/>
-              </a:rPr>
-              <a:t>The speed of light </a:t>
-            </a:r>
-            <a:r>
-              <a:rPr lang="en-US" sz="1400" b="1" dirty="0">
-                <a:solidFill>
-                  <a:srgbClr val="00B050"/>
-                </a:solidFill>
-                <a:latin typeface="Arial" panose="020B0604020202020204" pitchFamily="34" charset="0"/>
-                <a:cs typeface="Arial" panose="020B0604020202020204" pitchFamily="34" charset="0"/>
-              </a:rPr>
-              <a:t>c</a:t>
-            </a:r>
-            <a:r>
-              <a:rPr lang="en-US" sz="1400" dirty="0">
-                <a:latin typeface="Arial" panose="020B0604020202020204" pitchFamily="34" charset="0"/>
-                <a:cs typeface="Arial" panose="020B0604020202020204" pitchFamily="34" charset="0"/>
-              </a:rPr>
-              <a:t> is a constant, independent of the relative motion of the source.</a:t>
-            </a:r>
-          </a:p>
-        </p:txBody>
-      </p:sp>
-      <p:pic>
-        <p:nvPicPr>
-          <p:cNvPr id="17" name="Picture 16">
-            <a:extLst>
-              <a:ext uri="{FF2B5EF4-FFF2-40B4-BE49-F238E27FC236}">
-                <a16:creationId xmlns:a16="http://schemas.microsoft.com/office/drawing/2014/main" id="{CD7B77F2-AB12-A046-9BEC-6433E94AAF9D}"/>
+                <a16:creationId xmlns:a16="http://schemas.microsoft.com/office/drawing/2014/main" id="{152F0F4A-7F3E-854F-94C4-07F344DF7232}"/>
               </a:ext>
             </a:extLst>
           </p:cNvPr>
@@ -3744,91 +3893,7 @@
         </p:blipFill>
         <p:spPr>
           <a:xfrm>
-            <a:off x="7532542" y="121307"/>
-            <a:ext cx="1775120" cy="2275052"/>
-          </a:xfrm>
-          <a:prstGeom prst="rect">
-            <a:avLst/>
-          </a:prstGeom>
-        </p:spPr>
-      </p:pic>
-      <p:sp>
-        <p:nvSpPr>
-          <p:cNvPr id="21" name="TextBox 20">
-            <a:extLst>
-              <a:ext uri="{FF2B5EF4-FFF2-40B4-BE49-F238E27FC236}">
-                <a16:creationId xmlns:a16="http://schemas.microsoft.com/office/drawing/2014/main" id="{3F421801-8017-044A-A360-5B0DBC26EFD8}"/>
-              </a:ext>
-            </a:extLst>
-          </p:cNvPr>
-          <p:cNvSpPr txBox="1"/>
-          <p:nvPr/>
-        </p:nvSpPr>
-        <p:spPr>
-          <a:xfrm>
-            <a:off x="7578332" y="2396400"/>
-            <a:ext cx="1684154" cy="830997"/>
-          </a:xfrm>
-          <a:prstGeom prst="rect">
-            <a:avLst/>
-          </a:prstGeom>
-          <a:noFill/>
-        </p:spPr>
-        <p:txBody>
-          <a:bodyPr wrap="square" rtlCol="0">
-            <a:spAutoFit/>
-          </a:bodyPr>
-          <a:lstStyle/>
-          <a:p>
-            <a:pPr algn="ctr"/>
-            <a:r>
-              <a:rPr lang="en-US" sz="1600" dirty="0"/>
-              <a:t>Hermann </a:t>
-            </a:r>
-            <a:r>
-              <a:rPr lang="en-US" sz="1600" dirty="0" err="1"/>
-              <a:t>Minkowski</a:t>
-            </a:r>
-            <a:endParaRPr lang="en-US" sz="1600" dirty="0"/>
-          </a:p>
-          <a:p>
-            <a:pPr algn="ctr"/>
-            <a:r>
-              <a:rPr lang="en-US" sz="1600" dirty="0"/>
-              <a:t>1864-1909</a:t>
-            </a:r>
-          </a:p>
-        </p:txBody>
-      </p:sp>
-      <p:pic>
-        <p:nvPicPr>
-          <p:cNvPr id="18" name="Picture 17">
-            <a:extLst>
-              <a:ext uri="{FF2B5EF4-FFF2-40B4-BE49-F238E27FC236}">
-                <a16:creationId xmlns:a16="http://schemas.microsoft.com/office/drawing/2014/main" id="{152F0F4A-7F3E-854F-94C4-07F344DF7232}"/>
-              </a:ext>
-            </a:extLst>
-          </p:cNvPr>
-          <p:cNvPicPr>
-            <a:picLocks noChangeAspect="1"/>
-          </p:cNvPicPr>
-          <p:nvPr/>
-        </p:nvPicPr>
-        <p:blipFill>
-          <a:blip r:embed="rId7" cstate="email">
-            <a:extLst>
-              <a:ext uri="{28A0092B-C50C-407E-A947-70E740481C1C}">
-                <a14:useLocalDpi xmlns:a14="http://schemas.microsoft.com/office/drawing/2010/main"/>
-              </a:ext>
-            </a:extLst>
-          </a:blip>
-          <a:stretch>
-            <a:fillRect/>
-          </a:stretch>
-        </p:blipFill>
-        <p:spPr>
-          <a:xfrm>
-            <a:off x="9498722" y="137074"/>
+            <a:off x="10382830" y="85765"/>
             <a:ext cx="1775120" cy="2284898"/>
           </a:xfrm>
           <a:prstGeom prst="rect">
@@ -3887,7 +3952,7 @@
           <p:nvPr/>
         </p:nvPicPr>
         <p:blipFill rotWithShape="1">
-          <a:blip r:embed="rId8" cstate="email">
+          <a:blip r:embed="rId7" cstate="email">
             <a:extLst>
               <a:ext uri="{28A0092B-C50C-407E-A947-70E740481C1C}">
                 <a14:useLocalDpi xmlns:a14="http://schemas.microsoft.com/office/drawing/2010/main"/>
@@ -3974,8 +4039,8 @@
         </p:nvSpPr>
         <p:spPr>
           <a:xfrm>
-            <a:off x="34050" y="4514551"/>
-            <a:ext cx="5368267" cy="2031325"/>
+            <a:off x="34049" y="4550743"/>
+            <a:ext cx="5525923" cy="2246769"/>
           </a:xfrm>
           <a:prstGeom prst="rect">
             <a:avLst/>
@@ -3993,24 +4058,33 @@
                 <a:latin typeface="Arial" panose="020B0604020202020204" pitchFamily="34" charset="0"/>
                 <a:cs typeface="Arial" panose="020B0604020202020204" pitchFamily="34" charset="0"/>
               </a:rPr>
-              <a:t>You can do thought experiments </a:t>
+              <a:t>Measuring the length of a moving object requires detecting both ends simultaneously. But how you sync the clocks on both ends?</a:t>
+            </a:r>
+          </a:p>
+          <a:p>
+            <a:r>
+              <a:rPr lang="en-US" sz="1400" dirty="0">
+                <a:latin typeface="Arial" panose="020B0604020202020204" pitchFamily="34" charset="0"/>
+                <a:cs typeface="Arial" panose="020B0604020202020204" pitchFamily="34" charset="0"/>
+              </a:rPr>
+              <a:t>If you do a thought experiment sending beam of light back and forth along a moving train, you will realize that </a:t>
             </a:r>
             <a:r>
               <a:rPr lang="en-US" sz="1400" b="1" dirty="0">
                 <a:solidFill>
-                  <a:srgbClr val="00B050"/>
+                  <a:srgbClr val="FF0000"/>
                 </a:solidFill>
                 <a:latin typeface="Arial" panose="020B0604020202020204" pitchFamily="34" charset="0"/>
                 <a:cs typeface="Arial" panose="020B0604020202020204" pitchFamily="34" charset="0"/>
               </a:rPr>
-              <a:t>sending beam of light back and forth along moving train</a:t>
+              <a:t>events which are simultaneous in one system of coordinates will not be simultaneous in the other</a:t>
             </a:r>
             <a:r>
               <a:rPr lang="en-US" sz="1400" dirty="0">
                 <a:latin typeface="Arial" panose="020B0604020202020204" pitchFamily="34" charset="0"/>
                 <a:cs typeface="Arial" panose="020B0604020202020204" pitchFamily="34" charset="0"/>
               </a:rPr>
-              <a:t>. You will realize that events which are simultaneous in one system of coordinates may be not simultaneous in the other.</a:t>
+              <a:t>. </a:t>
             </a:r>
           </a:p>
           <a:p>
@@ -4019,16 +4093,21 @@
                 <a:latin typeface="Arial" panose="020B0604020202020204" pitchFamily="34" charset="0"/>
                 <a:cs typeface="Arial" panose="020B0604020202020204" pitchFamily="34" charset="0"/>
               </a:rPr>
-              <a:t>Measuring the length of a moving object requires detecting both ends simultaneously. So in resting and moving frames the results will be different. This is the essence of space and time dilation.</a:t>
-            </a:r>
-          </a:p>
-          <a:p>
+              <a:t>So in resting and moving frames the results of measuring the length and time will be different. This is the essence of space and time dilation of Special Relativity. Watch this good illustrative </a:t>
+            </a:r>
+            <a:r>
+              <a:rPr lang="en-US" sz="1400" dirty="0" err="1">
+                <a:latin typeface="Arial" panose="020B0604020202020204" pitchFamily="34" charset="0"/>
+                <a:cs typeface="Arial" panose="020B0604020202020204" pitchFamily="34" charset="0"/>
+              </a:rPr>
+              <a:t>videdo</a:t>
+            </a:r>
             <a:r>
               <a:rPr lang="en-US" sz="1400" dirty="0">
                 <a:latin typeface="Arial" panose="020B0604020202020204" pitchFamily="34" charset="0"/>
                 <a:cs typeface="Arial" panose="020B0604020202020204" pitchFamily="34" charset="0"/>
               </a:rPr>
-              <a:t>Common example: train going through the tunnel:</a:t>
+              <a:t>:</a:t>
             </a:r>
           </a:p>
           <a:p>
@@ -4043,7 +4122,7 @@
               <a:rPr lang="en-US" sz="1400" dirty="0">
                 <a:latin typeface="Arial" panose="020B0604020202020204" pitchFamily="34" charset="0"/>
                 <a:cs typeface="Arial" panose="020B0604020202020204" pitchFamily="34" charset="0"/>
-                <a:hlinkClick r:id="rId9"/>
+                <a:hlinkClick r:id="rId8"/>
               </a:rPr>
               <a:t>https://www.youtube.com/watch?v=Xrqj88zQZJg</a:t>
             </a:r>
@@ -4063,6 +4142,53 @@
             <a:extLst>
               <a:ext uri="{FF2B5EF4-FFF2-40B4-BE49-F238E27FC236}">
                 <a16:creationId xmlns:a16="http://schemas.microsoft.com/office/drawing/2014/main" id="{6784115A-E47A-E84D-AEEF-17EF9D75390C}"/>
+              </a:ext>
+            </a:extLst>
+          </p:cNvPr>
+          <p:cNvPicPr>
+            <a:picLocks noChangeAspect="1" noChangeArrowheads="1"/>
+          </p:cNvPicPr>
+          <p:nvPr/>
+        </p:nvPicPr>
+        <p:blipFill>
+          <a:blip r:embed="rId9" cstate="email">
+            <a:extLst>
+              <a:ext uri="{28A0092B-C50C-407E-A947-70E740481C1C}">
+                <a14:useLocalDpi xmlns:a14="http://schemas.microsoft.com/office/drawing/2010/main"/>
+              </a:ext>
+            </a:extLst>
+          </a:blip>
+          <a:srcRect/>
+          <a:stretch>
+            <a:fillRect/>
+          </a:stretch>
+        </p:blipFill>
+        <p:spPr bwMode="auto">
+          <a:xfrm>
+            <a:off x="6143150" y="3245726"/>
+            <a:ext cx="2612634" cy="1375526"/>
+          </a:xfrm>
+          <a:prstGeom prst="rect">
+            <a:avLst/>
+          </a:prstGeom>
+          <a:noFill/>
+          <a:extLst>
+            <a:ext uri="{909E8E84-426E-40DD-AFC4-6F175D3DCCD1}">
+              <a14:hiddenFill xmlns:a14="http://schemas.microsoft.com/office/drawing/2010/main">
+                <a:solidFill>
+                  <a:srgbClr val="FFFFFF"/>
+                </a:solidFill>
+              </a14:hiddenFill>
+            </a:ext>
+          </a:extLst>
+        </p:spPr>
+      </p:pic>
+      <p:pic>
+        <p:nvPicPr>
+          <p:cNvPr id="20" name="Picture 8" descr="Spacetime-Right or Wrong?">
+            <a:extLst>
+              <a:ext uri="{FF2B5EF4-FFF2-40B4-BE49-F238E27FC236}">
+                <a16:creationId xmlns:a16="http://schemas.microsoft.com/office/drawing/2014/main" id="{06DE4A38-0450-D646-866B-654AD4D1D03C}"/>
               </a:ext>
             </a:extLst>
           </p:cNvPr>
@@ -4086,8 +4212,8 @@
         </p:blipFill>
         <p:spPr bwMode="auto">
           <a:xfrm>
-            <a:off x="6143150" y="3245726"/>
-            <a:ext cx="2612634" cy="1375526"/>
+            <a:off x="6143150" y="5006372"/>
+            <a:ext cx="2659784" cy="1730321"/>
           </a:xfrm>
           <a:prstGeom prst="rect">
             <a:avLst/>
@@ -4104,12 +4230,55 @@
           </a:extLst>
         </p:spPr>
       </p:pic>
+      <p:sp>
+        <p:nvSpPr>
+          <p:cNvPr id="3" name="TextBox 2">
+            <a:extLst>
+              <a:ext uri="{FF2B5EF4-FFF2-40B4-BE49-F238E27FC236}">
+                <a16:creationId xmlns:a16="http://schemas.microsoft.com/office/drawing/2014/main" id="{849C0FA8-34C1-0D40-AC27-2C40C5245727}"/>
+              </a:ext>
+            </a:extLst>
+          </p:cNvPr>
+          <p:cNvSpPr txBox="1"/>
+          <p:nvPr/>
+        </p:nvSpPr>
+        <p:spPr>
+          <a:xfrm>
+            <a:off x="10363442" y="2380399"/>
+            <a:ext cx="1813895" cy="584775"/>
+          </a:xfrm>
+          <a:prstGeom prst="rect">
+            <a:avLst/>
+          </a:prstGeom>
+          <a:noFill/>
+        </p:spPr>
+        <p:txBody>
+          <a:bodyPr wrap="square" rtlCol="0">
+            <a:spAutoFit/>
+          </a:bodyPr>
+          <a:lstStyle/>
+          <a:p>
+            <a:pPr algn="ctr"/>
+            <a:r>
+              <a:rPr lang="en-US" sz="1600" dirty="0"/>
+              <a:t>Hendrik Lorentz</a:t>
+            </a:r>
+          </a:p>
+          <a:p>
+            <a:pPr algn="ctr"/>
+            <a:r>
+              <a:rPr lang="en-US" sz="1600" dirty="0"/>
+              <a:t>1853-1928</a:t>
+            </a:r>
+          </a:p>
+        </p:txBody>
+      </p:sp>
       <p:pic>
         <p:nvPicPr>
-          <p:cNvPr id="20" name="Picture 8" descr="Spacetime-Right or Wrong?">
+          <p:cNvPr id="1026" name="Picture 2" descr="Theorists as connectors: from Poincaré to mathematical medicine | Theory,  Evolution, and Games Group">
             <a:extLst>
               <a:ext uri="{FF2B5EF4-FFF2-40B4-BE49-F238E27FC236}">
-                <a16:creationId xmlns:a16="http://schemas.microsoft.com/office/drawing/2014/main" id="{06DE4A38-0450-D646-866B-654AD4D1D03C}"/>
+                <a16:creationId xmlns:a16="http://schemas.microsoft.com/office/drawing/2014/main" id="{2103BC60-7839-A749-948D-599F9B65A54E}"/>
               </a:ext>
             </a:extLst>
           </p:cNvPr>
@@ -4118,7 +4287,7 @@
           </p:cNvPicPr>
           <p:nvPr/>
         </p:nvPicPr>
-        <p:blipFill>
+        <p:blipFill rotWithShape="1">
           <a:blip r:embed="rId11" cstate="email">
             <a:extLst>
               <a:ext uri="{28A0092B-C50C-407E-A947-70E740481C1C}">
@@ -4127,14 +4296,12 @@
             </a:extLst>
           </a:blip>
           <a:srcRect/>
-          <a:stretch>
-            <a:fillRect/>
-          </a:stretch>
+          <a:stretch/>
         </p:blipFill>
         <p:spPr bwMode="auto">
           <a:xfrm>
-            <a:off x="6143150" y="5006372"/>
-            <a:ext cx="2659784" cy="1730321"/>
+            <a:off x="6499151" y="93459"/>
+            <a:ext cx="1775120" cy="2294634"/>
           </a:xfrm>
           <a:prstGeom prst="rect">
             <a:avLst/>
@@ -4248,8 +4415,8 @@
         </p:blipFill>
         <p:spPr bwMode="auto">
           <a:xfrm>
-            <a:off x="4633639" y="1371331"/>
-            <a:ext cx="3294117" cy="884876"/>
+            <a:off x="3597057" y="3003945"/>
+            <a:ext cx="2627587" cy="705831"/>
           </a:xfrm>
           <a:prstGeom prst="rect">
             <a:avLst/>
@@ -4294,8 +4461,8 @@
         </p:blipFill>
         <p:spPr>
           <a:xfrm>
-            <a:off x="225097" y="1209785"/>
-            <a:ext cx="3606800" cy="1282700"/>
+            <a:off x="34050" y="2903246"/>
+            <a:ext cx="2880600" cy="1024439"/>
           </a:xfrm>
           <a:prstGeom prst="rect">
             <a:avLst/>
@@ -4316,7 +4483,7 @@
         </p:nvSpPr>
         <p:spPr>
           <a:xfrm>
-            <a:off x="346842" y="2680139"/>
+            <a:off x="155795" y="3816373"/>
             <a:ext cx="6232634" cy="1569660"/>
           </a:xfrm>
           <a:prstGeom prst="rect">
@@ -4483,8 +4650,8 @@
         </p:blipFill>
         <p:spPr>
           <a:xfrm>
-            <a:off x="354287" y="4194055"/>
-            <a:ext cx="3294117" cy="665395"/>
+            <a:off x="176570" y="5354351"/>
+            <a:ext cx="3067621" cy="619644"/>
           </a:xfrm>
           <a:prstGeom prst="rect">
             <a:avLst/>
@@ -4505,8 +4672,8 @@
         </p:nvSpPr>
         <p:spPr>
           <a:xfrm>
-            <a:off x="571939" y="4859450"/>
-            <a:ext cx="3423307" cy="830997"/>
+            <a:off x="152633" y="5983074"/>
+            <a:ext cx="4045141" cy="830997"/>
           </a:xfrm>
           <a:prstGeom prst="rect">
             <a:avLst/>
@@ -4531,7 +4698,7 @@
                   <a:srgbClr val="00B050"/>
                 </a:solidFill>
               </a:rPr>
-              <a:t>G</a:t>
+              <a:t>   G</a:t>
             </a:r>
             <a:r>
               <a:rPr lang="en-US" sz="1600" dirty="0"/>
@@ -4545,7 +4712,7 @@
                   <a:srgbClr val="00B050"/>
                 </a:solidFill>
               </a:rPr>
-              <a:t>c</a:t>
+              <a:t>   c</a:t>
             </a:r>
             <a:r>
               <a:rPr lang="en-US" sz="1600" dirty="0"/>
@@ -4582,7 +4749,7 @@
         </p:blipFill>
         <p:spPr>
           <a:xfrm>
-            <a:off x="2366251" y="2747970"/>
+            <a:off x="2175204" y="3884204"/>
             <a:ext cx="2193815" cy="655716"/>
           </a:xfrm>
           <a:prstGeom prst="rect">
@@ -4604,7 +4771,7 @@
         </p:nvSpPr>
         <p:spPr>
           <a:xfrm>
-            <a:off x="4782207" y="2572689"/>
+            <a:off x="4591160" y="3708923"/>
             <a:ext cx="2627586" cy="830997"/>
           </a:xfrm>
           <a:prstGeom prst="rect">
@@ -4679,7 +4846,7 @@
         </p:nvSpPr>
         <p:spPr>
           <a:xfrm>
-            <a:off x="225097" y="651641"/>
+            <a:off x="34050" y="2345102"/>
             <a:ext cx="3295869" cy="369332"/>
           </a:xfrm>
           <a:prstGeom prst="rect">
@@ -4718,7 +4885,7 @@
         </p:nvSpPr>
         <p:spPr>
           <a:xfrm>
-            <a:off x="225097" y="910300"/>
+            <a:off x="34050" y="2603761"/>
             <a:ext cx="3773214" cy="276999"/>
           </a:xfrm>
           <a:prstGeom prst="rect">
@@ -4759,8 +4926,8 @@
         </p:nvSpPr>
         <p:spPr>
           <a:xfrm>
-            <a:off x="8258065" y="2483617"/>
-            <a:ext cx="2959536" cy="707886"/>
+            <a:off x="7943739" y="94814"/>
+            <a:ext cx="4181695" cy="1384995"/>
           </a:xfrm>
           <a:prstGeom prst="rect">
             <a:avLst/>
@@ -4772,6 +4939,27 @@
             <a:spAutoFit/>
           </a:bodyPr>
           <a:lstStyle/>
+          <a:p>
+            <a:r>
+              <a:rPr lang="en-US" sz="1600" dirty="0"/>
+              <a:t>A </a:t>
+            </a:r>
+            <a:r>
+              <a:rPr lang="en-US" sz="1600" b="1" dirty="0">
+                <a:solidFill>
+                  <a:srgbClr val="00B050"/>
+                </a:solidFill>
+              </a:rPr>
+              <a:t>geodesic</a:t>
+            </a:r>
+            <a:r>
+              <a:rPr lang="en-US" sz="1600" dirty="0"/>
+              <a:t> generalizes the notion of a "straight line" to curved spacetime. A freely moving or falling particle always moves along a geodesic.</a:t>
+            </a:r>
+          </a:p>
+          <a:p>
+            <a:endParaRPr lang="en-US" sz="800" dirty="0"/>
+          </a:p>
           <a:p>
             <a:r>
               <a:rPr lang="en-US" sz="1600" b="1" dirty="0">
@@ -4810,8 +4998,8 @@
         </p:nvSpPr>
         <p:spPr>
           <a:xfrm>
-            <a:off x="8267262" y="60031"/>
-            <a:ext cx="3858173" cy="2308324"/>
+            <a:off x="33831" y="547621"/>
+            <a:ext cx="7567119" cy="1815882"/>
           </a:xfrm>
           <a:prstGeom prst="rect">
             <a:avLst/>
@@ -4832,7 +5020,30 @@
             <a:r>
               <a:rPr lang="en-US" sz="1600" b="1" dirty="0">
                 <a:solidFill>
-                  <a:srgbClr val="00B050"/>
+                  <a:srgbClr val="FF0000"/>
+                </a:solidFill>
+              </a:rPr>
+              <a:t>The equivalence principle</a:t>
+            </a:r>
+            <a:r>
+              <a:rPr lang="en-US" sz="1600" dirty="0"/>
+              <a:t> - the equivalence of gravitational and inertial mass.</a:t>
+            </a:r>
+          </a:p>
+          <a:p>
+            <a:r>
+              <a:rPr lang="en-US" sz="1600" dirty="0"/>
+              <a:t>It is Albert Einstein's observation that the gravitational "force" as experienced locally while standing on a massive body (such as the Earth) is the same as the pseudo-force experienced by an observer in a non-inertial (accelerated) frame of reference (elevator).</a:t>
+            </a:r>
+          </a:p>
+          <a:p>
+            <a:endParaRPr lang="en-US" sz="1600" dirty="0"/>
+          </a:p>
+          <a:p>
+            <a:r>
+              <a:rPr lang="en-US" sz="1600" b="1" dirty="0">
+                <a:solidFill>
+                  <a:srgbClr val="FF0000"/>
                 </a:solidFill>
               </a:rPr>
               <a:t>Gravity</a:t>
@@ -4840,6 +5051,18 @@
             <a:r>
               <a:rPr lang="en-US" sz="1600" dirty="0"/>
               <a:t> is regarded as not a force but a consequence of a </a:t>
+            </a:r>
+            <a:r>
+              <a:rPr lang="en-US" sz="1600" b="1" dirty="0">
+                <a:solidFill>
+                  <a:srgbClr val="FF0000"/>
+                </a:solidFill>
+              </a:rPr>
+              <a:t>curved spacetime geometry</a:t>
+            </a:r>
+            <a:r>
+              <a:rPr lang="en-US" sz="1600" dirty="0"/>
+              <a:t> described by the stress–energy tensor </a:t>
             </a:r>
             <a:r>
               <a:rPr lang="en-US" sz="1600" b="1" dirty="0">
@@ -4847,18 +5070,6 @@
                   <a:srgbClr val="00B050"/>
                 </a:solidFill>
               </a:rPr>
-              <a:t>curved spacetime geometry</a:t>
-            </a:r>
-            <a:r>
-              <a:rPr lang="en-US" sz="1600" dirty="0"/>
-              <a:t> where the source of curvature is the stress–energy tensor </a:t>
-            </a:r>
-            <a:r>
-              <a:rPr lang="en-US" sz="1600" b="1" dirty="0">
-                <a:solidFill>
-                  <a:srgbClr val="00B050"/>
-                </a:solidFill>
-              </a:rPr>
               <a:t>T</a:t>
             </a:r>
             <a:r>
@@ -4879,25 +5090,7 @@
             </a:r>
             <a:r>
               <a:rPr lang="en-US" sz="1600" dirty="0"/>
-              <a:t>(representing matter, for instance). </a:t>
-            </a:r>
-          </a:p>
-          <a:p>
-            <a:r>
-              <a:rPr lang="en-US" sz="1600" dirty="0"/>
-              <a:t>A </a:t>
-            </a:r>
-            <a:r>
-              <a:rPr lang="en-US" sz="1600" b="1" dirty="0">
-                <a:solidFill>
-                  <a:srgbClr val="00B050"/>
-                </a:solidFill>
-              </a:rPr>
-              <a:t>geodesic</a:t>
-            </a:r>
-            <a:r>
-              <a:rPr lang="en-US" sz="1600" dirty="0"/>
-              <a:t> generalizes the notion of a "straight line" to curved spacetime. A freely moving or falling particle always moves along a geodesic.</a:t>
+              <a:t>(representing matter or energy) </a:t>
             </a:r>
           </a:p>
         </p:txBody>
@@ -4930,7 +5123,7 @@
         </p:blipFill>
         <p:spPr>
           <a:xfrm>
-            <a:off x="8481848" y="3254516"/>
+            <a:off x="8481848" y="1568472"/>
             <a:ext cx="3119942" cy="707886"/>
           </a:xfrm>
           <a:prstGeom prst="rect">
@@ -4952,8 +5145,8 @@
         </p:nvSpPr>
         <p:spPr>
           <a:xfrm>
-            <a:off x="8267262" y="4159645"/>
-            <a:ext cx="3858173" cy="2554545"/>
+            <a:off x="7943740" y="2473601"/>
+            <a:ext cx="4181696" cy="2554545"/>
           </a:xfrm>
           <a:prstGeom prst="rect">
             <a:avLst/>
@@ -4968,7 +5161,7 @@
           <a:p>
             <a:r>
               <a:rPr lang="en-US" sz="1600" dirty="0"/>
-              <a:t>where s is a scalar parameter of motion (e.g. the proper time), and gamma are Christoffel symbols. Greek indices may take the values: 0, 1, 2, 3 and the summation convention is used for repeated indices.</a:t>
+              <a:t>where s is a scalar parameter of motion (e.g. the proper time), and gamma are Christoffel symbols. Indices may take values 0, 1, 2, 3, and the summation convention is used for repeated indices.</a:t>
             </a:r>
           </a:p>
           <a:p>
@@ -5008,7 +5201,7 @@
         </p:blipFill>
         <p:spPr bwMode="auto">
           <a:xfrm>
-            <a:off x="5005347" y="4601794"/>
+            <a:off x="8590623" y="5189164"/>
             <a:ext cx="2550699" cy="1569661"/>
           </a:xfrm>
           <a:prstGeom prst="rect">
@@ -5040,7 +5233,7 @@
         </p:nvSpPr>
         <p:spPr>
           <a:xfrm>
-            <a:off x="3995246" y="1681657"/>
+            <a:off x="3136135" y="3246340"/>
             <a:ext cx="387568" cy="252248"/>
           </a:xfrm>
           <a:prstGeom prst="rightArrow">
